--- a/menus/joannes-togo-menu-trifold.pptx
+++ b/menus/joannes-togo-menu-trifold.pptx
@@ -113,6 +113,242 @@
 </p:presentation>
 </file>
 
+<file path=ppt/revisionInfo.xml><?xml version="1.0" encoding="utf-8"?>
+<p1510:revInfo xmlns:a="http://schemas.openxmlformats.org/drawingml/2006/main" xmlns:r="http://schemas.openxmlformats.org/officeDocument/2006/relationships" xmlns:p1510="http://schemas.microsoft.com/office/powerpoint/2015/10/main">
+  <p1510:revLst>
+    <p1510:client id="{852C7E9D-C090-4DD0-AB89-4664E558D019}" v="8" dt="2026-02-09T20:24:55.464"/>
+  </p1510:revLst>
+</p1510:revInfo>
+</file>
+
+<file path=ppt/changesInfos/changesInfo1.xml><?xml version="1.0" encoding="utf-8"?>
+<pc:chgInfo xmlns:a="http://schemas.openxmlformats.org/drawingml/2006/main" xmlns:r="http://schemas.openxmlformats.org/officeDocument/2006/relationships" xmlns:ac="http://schemas.microsoft.com/office/drawing/2013/main/command" xmlns:pc="http://schemas.microsoft.com/office/powerpoint/2013/main/command">
+  <pc:docChgLst>
+    <pc:chgData name="Joseph L Selby" userId="323bcfef75d7aa85" providerId="LiveId" clId="{AAFBDDD9-74F7-4C65-90F2-68E899B8AC0A}"/>
+    <pc:docChg chg="undo custSel modSld">
+      <pc:chgData name="Joseph L Selby" userId="323bcfef75d7aa85" providerId="LiveId" clId="{AAFBDDD9-74F7-4C65-90F2-68E899B8AC0A}" dt="2026-02-09T20:26:46.234" v="40" actId="14100"/>
+      <pc:docMkLst>
+        <pc:docMk/>
+      </pc:docMkLst>
+      <pc:sldChg chg="modSp mod">
+        <pc:chgData name="Joseph L Selby" userId="323bcfef75d7aa85" providerId="LiveId" clId="{AAFBDDD9-74F7-4C65-90F2-68E899B8AC0A}" dt="2026-02-09T20:24:55.464" v="15" actId="1038"/>
+        <pc:sldMkLst>
+          <pc:docMk/>
+          <pc:sldMk cId="2087711703" sldId="257"/>
+        </pc:sldMkLst>
+        <pc:spChg chg="mod">
+          <ac:chgData name="Joseph L Selby" userId="323bcfef75d7aa85" providerId="LiveId" clId="{AAFBDDD9-74F7-4C65-90F2-68E899B8AC0A}" dt="2026-02-09T20:24:55.464" v="15" actId="1038"/>
+          <ac:spMkLst>
+            <pc:docMk/>
+            <pc:sldMk cId="2087711703" sldId="257"/>
+            <ac:spMk id="8" creationId="{B92C8BBC-9D45-B956-B7EA-4F04FAE11723}"/>
+          </ac:spMkLst>
+        </pc:spChg>
+        <pc:spChg chg="mod">
+          <ac:chgData name="Joseph L Selby" userId="323bcfef75d7aa85" providerId="LiveId" clId="{AAFBDDD9-74F7-4C65-90F2-68E899B8AC0A}" dt="2026-02-09T20:24:55.464" v="15" actId="1038"/>
+          <ac:spMkLst>
+            <pc:docMk/>
+            <pc:sldMk cId="2087711703" sldId="257"/>
+            <ac:spMk id="12" creationId="{1F702A86-738F-CA91-1042-BDD3ADBF33D1}"/>
+          </ac:spMkLst>
+        </pc:spChg>
+        <pc:spChg chg="mod">
+          <ac:chgData name="Joseph L Selby" userId="323bcfef75d7aa85" providerId="LiveId" clId="{AAFBDDD9-74F7-4C65-90F2-68E899B8AC0A}" dt="2026-02-09T20:24:29.317" v="5" actId="14100"/>
+          <ac:spMkLst>
+            <pc:docMk/>
+            <pc:sldMk cId="2087711703" sldId="257"/>
+            <ac:spMk id="13" creationId="{40EC58F8-0B8B-DBB1-1A61-D2CCE2DAE089}"/>
+          </ac:spMkLst>
+        </pc:spChg>
+        <pc:spChg chg="mod">
+          <ac:chgData name="Joseph L Selby" userId="323bcfef75d7aa85" providerId="LiveId" clId="{AAFBDDD9-74F7-4C65-90F2-68E899B8AC0A}" dt="2026-02-09T20:24:41.112" v="7" actId="14100"/>
+          <ac:spMkLst>
+            <pc:docMk/>
+            <pc:sldMk cId="2087711703" sldId="257"/>
+            <ac:spMk id="14" creationId="{FFCD3FBA-73D2-DFA7-D9C3-F454CDE40CB1}"/>
+          </ac:spMkLst>
+        </pc:spChg>
+        <pc:spChg chg="mod">
+          <ac:chgData name="Joseph L Selby" userId="323bcfef75d7aa85" providerId="LiveId" clId="{AAFBDDD9-74F7-4C65-90F2-68E899B8AC0A}" dt="2026-02-09T20:24:25.088" v="4" actId="14100"/>
+          <ac:spMkLst>
+            <pc:docMk/>
+            <pc:sldMk cId="2087711703" sldId="257"/>
+            <ac:spMk id="16" creationId="{F9696068-8CAA-8DD2-37EF-459D5411717B}"/>
+          </ac:spMkLst>
+        </pc:spChg>
+        <pc:spChg chg="mod">
+          <ac:chgData name="Joseph L Selby" userId="323bcfef75d7aa85" providerId="LiveId" clId="{AAFBDDD9-74F7-4C65-90F2-68E899B8AC0A}" dt="2026-02-09T20:24:35.503" v="6" actId="179"/>
+          <ac:spMkLst>
+            <pc:docMk/>
+            <pc:sldMk cId="2087711703" sldId="257"/>
+            <ac:spMk id="26" creationId="{F2923AF3-CD78-FC25-D8EE-DA7C1E1F464E}"/>
+          </ac:spMkLst>
+        </pc:spChg>
+        <pc:spChg chg="mod">
+          <ac:chgData name="Joseph L Selby" userId="323bcfef75d7aa85" providerId="LiveId" clId="{AAFBDDD9-74F7-4C65-90F2-68E899B8AC0A}" dt="2026-02-09T20:24:55.464" v="15" actId="1038"/>
+          <ac:spMkLst>
+            <pc:docMk/>
+            <pc:sldMk cId="2087711703" sldId="257"/>
+            <ac:spMk id="41" creationId="{7DA950FB-74FB-74D7-98E9-EBC4012172CD}"/>
+          </ac:spMkLst>
+        </pc:spChg>
+        <pc:picChg chg="mod">
+          <ac:chgData name="Joseph L Selby" userId="323bcfef75d7aa85" providerId="LiveId" clId="{AAFBDDD9-74F7-4C65-90F2-68E899B8AC0A}" dt="2026-02-09T20:24:55.464" v="15" actId="1038"/>
+          <ac:picMkLst>
+            <pc:docMk/>
+            <pc:sldMk cId="2087711703" sldId="257"/>
+            <ac:picMk id="10" creationId="{1870B3B0-C591-3769-911F-61EE198DC630}"/>
+          </ac:picMkLst>
+        </pc:picChg>
+        <pc:cxnChg chg="mod">
+          <ac:chgData name="Joseph L Selby" userId="323bcfef75d7aa85" providerId="LiveId" clId="{AAFBDDD9-74F7-4C65-90F2-68E899B8AC0A}" dt="2026-02-09T20:24:55.464" v="15" actId="1038"/>
+          <ac:cxnSpMkLst>
+            <pc:docMk/>
+            <pc:sldMk cId="2087711703" sldId="257"/>
+            <ac:cxnSpMk id="7" creationId="{2B5AAE10-D98E-B399-0F7B-398C87362539}"/>
+          </ac:cxnSpMkLst>
+        </pc:cxnChg>
+        <pc:cxnChg chg="mod">
+          <ac:chgData name="Joseph L Selby" userId="323bcfef75d7aa85" providerId="LiveId" clId="{AAFBDDD9-74F7-4C65-90F2-68E899B8AC0A}" dt="2026-02-09T20:24:55.464" v="15" actId="1038"/>
+          <ac:cxnSpMkLst>
+            <pc:docMk/>
+            <pc:sldMk cId="2087711703" sldId="257"/>
+            <ac:cxnSpMk id="11" creationId="{05924E84-91D0-96B4-72CB-2FB65D416B5F}"/>
+          </ac:cxnSpMkLst>
+        </pc:cxnChg>
+      </pc:sldChg>
+      <pc:sldChg chg="modSp mod">
+        <pc:chgData name="Joseph L Selby" userId="323bcfef75d7aa85" providerId="LiveId" clId="{AAFBDDD9-74F7-4C65-90F2-68E899B8AC0A}" dt="2026-02-09T20:26:46.234" v="40" actId="14100"/>
+        <pc:sldMkLst>
+          <pc:docMk/>
+          <pc:sldMk cId="3627328184" sldId="258"/>
+        </pc:sldMkLst>
+        <pc:spChg chg="mod">
+          <ac:chgData name="Joseph L Selby" userId="323bcfef75d7aa85" providerId="LiveId" clId="{AAFBDDD9-74F7-4C65-90F2-68E899B8AC0A}" dt="2026-02-09T20:25:36.554" v="30" actId="1037"/>
+          <ac:spMkLst>
+            <pc:docMk/>
+            <pc:sldMk cId="3627328184" sldId="258"/>
+            <ac:spMk id="2" creationId="{85FA09B3-4343-7BA9-10CE-CAC05EABD7E5}"/>
+          </ac:spMkLst>
+        </pc:spChg>
+        <pc:spChg chg="mod">
+          <ac:chgData name="Joseph L Selby" userId="323bcfef75d7aa85" providerId="LiveId" clId="{AAFBDDD9-74F7-4C65-90F2-68E899B8AC0A}" dt="2026-02-09T20:25:36.554" v="30" actId="1037"/>
+          <ac:spMkLst>
+            <pc:docMk/>
+            <pc:sldMk cId="3627328184" sldId="258"/>
+            <ac:spMk id="3" creationId="{3C3D8D3C-2428-630A-537B-5C9405891B28}"/>
+          </ac:spMkLst>
+        </pc:spChg>
+        <pc:spChg chg="mod">
+          <ac:chgData name="Joseph L Selby" userId="323bcfef75d7aa85" providerId="LiveId" clId="{AAFBDDD9-74F7-4C65-90F2-68E899B8AC0A}" dt="2026-02-09T20:26:46.234" v="40" actId="14100"/>
+          <ac:spMkLst>
+            <pc:docMk/>
+            <pc:sldMk cId="3627328184" sldId="258"/>
+            <ac:spMk id="4" creationId="{A4416B3D-CEB9-AFD2-99B9-0366FDA09C7C}"/>
+          </ac:spMkLst>
+        </pc:spChg>
+        <pc:spChg chg="mod">
+          <ac:chgData name="Joseph L Selby" userId="323bcfef75d7aa85" providerId="LiveId" clId="{AAFBDDD9-74F7-4C65-90F2-68E899B8AC0A}" dt="2026-02-09T20:26:33.844" v="38" actId="14100"/>
+          <ac:spMkLst>
+            <pc:docMk/>
+            <pc:sldMk cId="3627328184" sldId="258"/>
+            <ac:spMk id="8" creationId="{1E433282-6833-247E-F139-9A46C3AD5E5C}"/>
+          </ac:spMkLst>
+        </pc:spChg>
+        <pc:spChg chg="mod">
+          <ac:chgData name="Joseph L Selby" userId="323bcfef75d7aa85" providerId="LiveId" clId="{AAFBDDD9-74F7-4C65-90F2-68E899B8AC0A}" dt="2026-02-09T20:26:28.079" v="37" actId="14100"/>
+          <ac:spMkLst>
+            <pc:docMk/>
+            <pc:sldMk cId="3627328184" sldId="258"/>
+            <ac:spMk id="10" creationId="{186CD4D4-2638-98D8-12BC-4202FE13297E}"/>
+          </ac:spMkLst>
+        </pc:spChg>
+        <pc:spChg chg="mod">
+          <ac:chgData name="Joseph L Selby" userId="323bcfef75d7aa85" providerId="LiveId" clId="{AAFBDDD9-74F7-4C65-90F2-68E899B8AC0A}" dt="2026-02-09T20:25:36.554" v="30" actId="1037"/>
+          <ac:spMkLst>
+            <pc:docMk/>
+            <pc:sldMk cId="3627328184" sldId="258"/>
+            <ac:spMk id="14" creationId="{FA848FD4-79B0-D3D8-BA3B-1F8D6C24B74E}"/>
+          </ac:spMkLst>
+        </pc:spChg>
+        <pc:spChg chg="mod">
+          <ac:chgData name="Joseph L Selby" userId="323bcfef75d7aa85" providerId="LiveId" clId="{AAFBDDD9-74F7-4C65-90F2-68E899B8AC0A}" dt="2026-02-09T20:25:36.554" v="30" actId="1037"/>
+          <ac:spMkLst>
+            <pc:docMk/>
+            <pc:sldMk cId="3627328184" sldId="258"/>
+            <ac:spMk id="15" creationId="{21D754F7-E01E-6BEE-4931-3D3F0DB78574}"/>
+          </ac:spMkLst>
+        </pc:spChg>
+        <pc:spChg chg="mod">
+          <ac:chgData name="Joseph L Selby" userId="323bcfef75d7aa85" providerId="LiveId" clId="{AAFBDDD9-74F7-4C65-90F2-68E899B8AC0A}" dt="2026-02-09T20:25:28.172" v="24" actId="1037"/>
+          <ac:spMkLst>
+            <pc:docMk/>
+            <pc:sldMk cId="3627328184" sldId="258"/>
+            <ac:spMk id="16" creationId="{DE54490D-D77D-E194-AD34-E2AE95102AA1}"/>
+          </ac:spMkLst>
+        </pc:spChg>
+        <pc:spChg chg="mod">
+          <ac:chgData name="Joseph L Selby" userId="323bcfef75d7aa85" providerId="LiveId" clId="{AAFBDDD9-74F7-4C65-90F2-68E899B8AC0A}" dt="2026-02-09T20:25:36.554" v="30" actId="1037"/>
+          <ac:spMkLst>
+            <pc:docMk/>
+            <pc:sldMk cId="3627328184" sldId="258"/>
+            <ac:spMk id="17" creationId="{51DC7BBF-82E7-6781-3FBA-070B74B40A2D}"/>
+          </ac:spMkLst>
+        </pc:spChg>
+        <pc:spChg chg="mod">
+          <ac:chgData name="Joseph L Selby" userId="323bcfef75d7aa85" providerId="LiveId" clId="{AAFBDDD9-74F7-4C65-90F2-68E899B8AC0A}" dt="2026-02-09T20:25:36.554" v="30" actId="1037"/>
+          <ac:spMkLst>
+            <pc:docMk/>
+            <pc:sldMk cId="3627328184" sldId="258"/>
+            <ac:spMk id="18" creationId="{33D353E8-0AE3-7492-D058-7A381321B809}"/>
+          </ac:spMkLst>
+        </pc:spChg>
+        <pc:spChg chg="mod">
+          <ac:chgData name="Joseph L Selby" userId="323bcfef75d7aa85" providerId="LiveId" clId="{AAFBDDD9-74F7-4C65-90F2-68E899B8AC0A}" dt="2026-02-09T20:25:36.554" v="30" actId="1037"/>
+          <ac:spMkLst>
+            <pc:docMk/>
+            <pc:sldMk cId="3627328184" sldId="258"/>
+            <ac:spMk id="19" creationId="{B229E263-6A1C-5C54-9C38-E403413E9BFE}"/>
+          </ac:spMkLst>
+        </pc:spChg>
+        <pc:spChg chg="mod">
+          <ac:chgData name="Joseph L Selby" userId="323bcfef75d7aa85" providerId="LiveId" clId="{AAFBDDD9-74F7-4C65-90F2-68E899B8AC0A}" dt="2026-02-09T20:25:36.554" v="30" actId="1037"/>
+          <ac:spMkLst>
+            <pc:docMk/>
+            <pc:sldMk cId="3627328184" sldId="258"/>
+            <ac:spMk id="28" creationId="{4DC06E75-B959-94D3-DD9E-98C4A05FB8D3}"/>
+          </ac:spMkLst>
+        </pc:spChg>
+        <pc:spChg chg="mod">
+          <ac:chgData name="Joseph L Selby" userId="323bcfef75d7aa85" providerId="LiveId" clId="{AAFBDDD9-74F7-4C65-90F2-68E899B8AC0A}" dt="2026-02-09T20:25:36.554" v="30" actId="1037"/>
+          <ac:spMkLst>
+            <pc:docMk/>
+            <pc:sldMk cId="3627328184" sldId="258"/>
+            <ac:spMk id="29" creationId="{EA7B6CC1-C257-1D8E-0698-151E5253F77C}"/>
+          </ac:spMkLst>
+        </pc:spChg>
+        <pc:spChg chg="mod">
+          <ac:chgData name="Joseph L Selby" userId="323bcfef75d7aa85" providerId="LiveId" clId="{AAFBDDD9-74F7-4C65-90F2-68E899B8AC0A}" dt="2026-02-09T20:25:36.554" v="30" actId="1037"/>
+          <ac:spMkLst>
+            <pc:docMk/>
+            <pc:sldMk cId="3627328184" sldId="258"/>
+            <ac:spMk id="30" creationId="{BA428939-F1F6-AA8A-6059-DA36A6C68ACA}"/>
+          </ac:spMkLst>
+        </pc:spChg>
+        <pc:spChg chg="mod">
+          <ac:chgData name="Joseph L Selby" userId="323bcfef75d7aa85" providerId="LiveId" clId="{AAFBDDD9-74F7-4C65-90F2-68E899B8AC0A}" dt="2026-02-09T20:26:41.765" v="39" actId="179"/>
+          <ac:spMkLst>
+            <pc:docMk/>
+            <pc:sldMk cId="3627328184" sldId="258"/>
+            <ac:spMk id="36" creationId="{752D7E9F-99DB-80CB-B979-88D4F187D9D5}"/>
+          </ac:spMkLst>
+        </pc:spChg>
+      </pc:sldChg>
+    </pc:docChg>
+  </pc:docChgLst>
+</pc:chgInfo>
+</file>
+
 <file path=ppt/slideLayouts/slideLayout1.xml><?xml version="1.0" encoding="utf-8"?>
 <p:sldLayout xmlns:a="http://schemas.openxmlformats.org/drawingml/2006/main" xmlns:r="http://schemas.openxmlformats.org/officeDocument/2006/relationships" xmlns:p="http://schemas.openxmlformats.org/presentationml/2006/main" type="title" preserve="1">
   <p:cSld name="Title Slide">
@@ -244,7 +480,7 @@
           <a:p>
             <a:fld id="{51EFD3A9-5B2D-46A0-B45A-3A62BD1A5D85}" type="datetimeFigureOut">
               <a:rPr lang="en-US" smtClean="0"/>
-              <a:t>2/6/2026</a:t>
+              <a:t>2/9/2026</a:t>
             </a:fld>
             <a:endParaRPr lang="en-US"/>
           </a:p>
@@ -414,7 +650,7 @@
           <a:p>
             <a:fld id="{51EFD3A9-5B2D-46A0-B45A-3A62BD1A5D85}" type="datetimeFigureOut">
               <a:rPr lang="en-US" smtClean="0"/>
-              <a:t>2/6/2026</a:t>
+              <a:t>2/9/2026</a:t>
             </a:fld>
             <a:endParaRPr lang="en-US"/>
           </a:p>
@@ -594,7 +830,7 @@
           <a:p>
             <a:fld id="{51EFD3A9-5B2D-46A0-B45A-3A62BD1A5D85}" type="datetimeFigureOut">
               <a:rPr lang="en-US" smtClean="0"/>
-              <a:t>2/6/2026</a:t>
+              <a:t>2/9/2026</a:t>
             </a:fld>
             <a:endParaRPr lang="en-US"/>
           </a:p>
@@ -764,7 +1000,7 @@
           <a:p>
             <a:fld id="{51EFD3A9-5B2D-46A0-B45A-3A62BD1A5D85}" type="datetimeFigureOut">
               <a:rPr lang="en-US" smtClean="0"/>
-              <a:t>2/6/2026</a:t>
+              <a:t>2/9/2026</a:t>
             </a:fld>
             <a:endParaRPr lang="en-US"/>
           </a:p>
@@ -1010,7 +1246,7 @@
           <a:p>
             <a:fld id="{51EFD3A9-5B2D-46A0-B45A-3A62BD1A5D85}" type="datetimeFigureOut">
               <a:rPr lang="en-US" smtClean="0"/>
-              <a:t>2/6/2026</a:t>
+              <a:t>2/9/2026</a:t>
             </a:fld>
             <a:endParaRPr lang="en-US"/>
           </a:p>
@@ -1242,7 +1478,7 @@
           <a:p>
             <a:fld id="{51EFD3A9-5B2D-46A0-B45A-3A62BD1A5D85}" type="datetimeFigureOut">
               <a:rPr lang="en-US" smtClean="0"/>
-              <a:t>2/6/2026</a:t>
+              <a:t>2/9/2026</a:t>
             </a:fld>
             <a:endParaRPr lang="en-US"/>
           </a:p>
@@ -1609,7 +1845,7 @@
           <a:p>
             <a:fld id="{51EFD3A9-5B2D-46A0-B45A-3A62BD1A5D85}" type="datetimeFigureOut">
               <a:rPr lang="en-US" smtClean="0"/>
-              <a:t>2/6/2026</a:t>
+              <a:t>2/9/2026</a:t>
             </a:fld>
             <a:endParaRPr lang="en-US"/>
           </a:p>
@@ -1727,7 +1963,7 @@
           <a:p>
             <a:fld id="{51EFD3A9-5B2D-46A0-B45A-3A62BD1A5D85}" type="datetimeFigureOut">
               <a:rPr lang="en-US" smtClean="0"/>
-              <a:t>2/6/2026</a:t>
+              <a:t>2/9/2026</a:t>
             </a:fld>
             <a:endParaRPr lang="en-US"/>
           </a:p>
@@ -1822,7 +2058,7 @@
           <a:p>
             <a:fld id="{51EFD3A9-5B2D-46A0-B45A-3A62BD1A5D85}" type="datetimeFigureOut">
               <a:rPr lang="en-US" smtClean="0"/>
-              <a:t>2/6/2026</a:t>
+              <a:t>2/9/2026</a:t>
             </a:fld>
             <a:endParaRPr lang="en-US"/>
           </a:p>
@@ -2099,7 +2335,7 @@
           <a:p>
             <a:fld id="{51EFD3A9-5B2D-46A0-B45A-3A62BD1A5D85}" type="datetimeFigureOut">
               <a:rPr lang="en-US" smtClean="0"/>
-              <a:t>2/6/2026</a:t>
+              <a:t>2/9/2026</a:t>
             </a:fld>
             <a:endParaRPr lang="en-US"/>
           </a:p>
@@ -2356,7 +2592,7 @@
           <a:p>
             <a:fld id="{51EFD3A9-5B2D-46A0-B45A-3A62BD1A5D85}" type="datetimeFigureOut">
               <a:rPr lang="en-US" smtClean="0"/>
-              <a:t>2/6/2026</a:t>
+              <a:t>2/9/2026</a:t>
             </a:fld>
             <a:endParaRPr lang="en-US"/>
           </a:p>
@@ -2569,7 +2805,7 @@
           <a:p>
             <a:fld id="{51EFD3A9-5B2D-46A0-B45A-3A62BD1A5D85}" type="datetimeFigureOut">
               <a:rPr lang="en-US" smtClean="0"/>
-              <a:t>2/6/2026</a:t>
+              <a:t>2/9/2026</a:t>
             </a:fld>
             <a:endParaRPr lang="en-US"/>
           </a:p>
@@ -2990,7 +3226,7 @@
         </p:nvSpPr>
         <p:spPr bwMode="auto">
           <a:xfrm>
-            <a:off x="6599766" y="2403368"/>
+            <a:off x="6525624" y="2403368"/>
             <a:ext cx="2489887" cy="1427314"/>
           </a:xfrm>
           <a:prstGeom prst="rect">
@@ -3194,7 +3430,7 @@
         </p:nvCxnSpPr>
         <p:spPr>
           <a:xfrm>
-            <a:off x="6599766" y="2809318"/>
+            <a:off x="6525624" y="2809318"/>
             <a:ext cx="2489887" cy="0"/>
           </a:xfrm>
           <a:prstGeom prst="line">
@@ -3249,7 +3485,7 @@
         </p:blipFill>
         <p:spPr>
           <a:xfrm>
-            <a:off x="6599766" y="91998"/>
+            <a:off x="6525624" y="91998"/>
             <a:ext cx="2255480" cy="2313531"/>
           </a:xfrm>
           <a:prstGeom prst="rect">
@@ -3273,7 +3509,7 @@
         </p:nvCxnSpPr>
         <p:spPr>
           <a:xfrm>
-            <a:off x="6667725" y="3947432"/>
+            <a:off x="6593583" y="3947432"/>
             <a:ext cx="2421927" cy="0"/>
           </a:xfrm>
           <a:prstGeom prst="line">
@@ -3316,7 +3552,7 @@
         </p:nvSpPr>
         <p:spPr bwMode="auto">
           <a:xfrm>
-            <a:off x="6664637" y="4004286"/>
+            <a:off x="6590495" y="4004286"/>
             <a:ext cx="2421927" cy="892552"/>
           </a:xfrm>
           <a:prstGeom prst="rect">
@@ -3462,8 +3698,8 @@
         </p:nvSpPr>
         <p:spPr>
           <a:xfrm>
-            <a:off x="3186321" y="152399"/>
-            <a:ext cx="2850412" cy="4577633"/>
+            <a:off x="3319085" y="152399"/>
+            <a:ext cx="2590043" cy="4577633"/>
           </a:xfrm>
           <a:prstGeom prst="roundRect">
             <a:avLst/>
@@ -3509,8 +3745,8 @@
         </p:nvSpPr>
         <p:spPr>
           <a:xfrm>
-            <a:off x="3186321" y="5049355"/>
-            <a:ext cx="2850412" cy="1769121"/>
+            <a:off x="3319084" y="5049355"/>
+            <a:ext cx="2590044" cy="1769121"/>
           </a:xfrm>
           <a:prstGeom prst="roundRect">
             <a:avLst/>
@@ -3620,7 +3856,7 @@
           <a:noFill/>
         </p:spPr>
         <p:txBody>
-          <a:bodyPr wrap="none" rtlCol="0">
+          <a:bodyPr wrap="square" rtlCol="0">
             <a:spAutoFit/>
           </a:bodyPr>
           <a:lstStyle/>
@@ -3657,8 +3893,8 @@
                 <a:spcPts val="225"/>
               </a:spcAft>
               <a:tabLst>
-                <a:tab pos="128588" algn="l"/>
-                <a:tab pos="1828800" algn="l"/>
+                <a:tab pos="258763" algn="l"/>
+                <a:tab pos="1766888" algn="l"/>
               </a:tabLst>
             </a:pPr>
             <a:r>
@@ -3704,8 +3940,8 @@
                 <a:spcPts val="225"/>
               </a:spcAft>
               <a:tabLst>
-                <a:tab pos="128588" algn="l"/>
-                <a:tab pos="1828800" algn="l"/>
+                <a:tab pos="258763" algn="l"/>
+                <a:tab pos="1766888" algn="l"/>
               </a:tabLst>
             </a:pPr>
             <a:r>
@@ -3756,8 +3992,8 @@
                 <a:spcPts val="225"/>
               </a:spcAft>
               <a:tabLst>
-                <a:tab pos="128588" algn="l"/>
-                <a:tab pos="1828800" algn="l"/>
+                <a:tab pos="258763" algn="l"/>
+                <a:tab pos="1766888" algn="l"/>
               </a:tabLst>
             </a:pPr>
             <a:r>
@@ -3794,152 +4030,6 @@
                 <a:latin typeface="Berlin Sans FB Demi" panose="020E0802020502020306" pitchFamily="34" charset="0"/>
               </a:rPr>
               <a:t>20.00</a:t>
-            </a:r>
-          </a:p>
-          <a:p>
-            <a:pPr>
-              <a:spcAft>
-                <a:spcPts val="225"/>
-              </a:spcAft>
-            </a:pPr>
-            <a:r>
-              <a:rPr lang="en-US" sz="1600" dirty="0">
-                <a:latin typeface="Berlin Sans FB Demi" panose="020E0802020502020306" pitchFamily="34" charset="0"/>
-              </a:rPr>
-              <a:t>Chicken Tenders</a:t>
-            </a:r>
-          </a:p>
-          <a:p>
-            <a:pPr>
-              <a:spcAft>
-                <a:spcPts val="225"/>
-              </a:spcAft>
-              <a:tabLst>
-                <a:tab pos="128588" algn="l"/>
-                <a:tab pos="1828800" algn="l"/>
-              </a:tabLst>
-            </a:pPr>
-            <a:r>
-              <a:rPr lang="en-US" sz="900" dirty="0"/>
-              <a:t>	</a:t>
-            </a:r>
-            <a:r>
-              <a:rPr lang="en-US" sz="1400" dirty="0"/>
-              <a:t>5 pcs</a:t>
-            </a:r>
-            <a:r>
-              <a:rPr lang="en-US" sz="900" dirty="0"/>
-              <a:t>	</a:t>
-            </a:r>
-            <a:r>
-              <a:rPr lang="en-US" sz="1600" baseline="30000" dirty="0">
-                <a:solidFill>
-                  <a:srgbClr val="0070C0"/>
-                </a:solidFill>
-                <a:latin typeface="Berlin Sans FB Demi" panose="020E0802020502020306" pitchFamily="34" charset="0"/>
-              </a:rPr>
-              <a:t>$</a:t>
-            </a:r>
-            <a:r>
-              <a:rPr lang="en-US" sz="1600" dirty="0">
-                <a:solidFill>
-                  <a:srgbClr val="0070C0"/>
-                </a:solidFill>
-                <a:latin typeface="Berlin Sans FB Demi" panose="020E0802020502020306" pitchFamily="34" charset="0"/>
-              </a:rPr>
-              <a:t>10.00</a:t>
-            </a:r>
-          </a:p>
-          <a:p>
-            <a:pPr>
-              <a:spcAft>
-                <a:spcPts val="225"/>
-              </a:spcAft>
-              <a:tabLst>
-                <a:tab pos="128588" algn="l"/>
-                <a:tab pos="1828800" algn="l"/>
-              </a:tabLst>
-            </a:pPr>
-            <a:r>
-              <a:rPr lang="en-US" sz="900" dirty="0">
-                <a:solidFill>
-                  <a:srgbClr val="0070C0"/>
-                </a:solidFill>
-                <a:latin typeface="Berlin Sans FB Demi" panose="020E0802020502020306" pitchFamily="34" charset="0"/>
-              </a:rPr>
-              <a:t>	</a:t>
-            </a:r>
-            <a:r>
-              <a:rPr lang="en-US" sz="1400" dirty="0"/>
-              <a:t>12 pcs</a:t>
-            </a:r>
-            <a:r>
-              <a:rPr lang="en-US" sz="900" dirty="0"/>
-              <a:t>	</a:t>
-            </a:r>
-            <a:r>
-              <a:rPr lang="en-US" sz="1600" baseline="30000" dirty="0">
-                <a:solidFill>
-                  <a:srgbClr val="0070C0"/>
-                </a:solidFill>
-                <a:latin typeface="Berlin Sans FB Demi" panose="020E0802020502020306" pitchFamily="34" charset="0"/>
-              </a:rPr>
-              <a:t>$</a:t>
-            </a:r>
-            <a:r>
-              <a:rPr lang="en-US" sz="1600" dirty="0">
-                <a:solidFill>
-                  <a:srgbClr val="0070C0"/>
-                </a:solidFill>
-                <a:latin typeface="Berlin Sans FB Demi" panose="020E0802020502020306" pitchFamily="34" charset="0"/>
-              </a:rPr>
-              <a:t>16.00</a:t>
-            </a:r>
-          </a:p>
-          <a:p>
-            <a:pPr>
-              <a:spcAft>
-                <a:spcPts val="225"/>
-              </a:spcAft>
-              <a:tabLst>
-                <a:tab pos="128588" algn="l"/>
-                <a:tab pos="1828800" algn="l"/>
-              </a:tabLst>
-            </a:pPr>
-            <a:r>
-              <a:rPr lang="en-US" sz="1050" dirty="0">
-                <a:solidFill>
-                  <a:srgbClr val="0070C0"/>
-                </a:solidFill>
-                <a:latin typeface="Berlin Sans FB Demi" panose="020E0802020502020306" pitchFamily="34" charset="0"/>
-              </a:rPr>
-              <a:t>	</a:t>
-            </a:r>
-            <a:r>
-              <a:rPr lang="en-US" sz="1400" dirty="0"/>
-              <a:t>16 pcs</a:t>
-            </a:r>
-            <a:r>
-              <a:rPr lang="en-US" sz="900" dirty="0"/>
-              <a:t>	</a:t>
-            </a:r>
-            <a:r>
-              <a:rPr lang="en-US" sz="1600" baseline="30000" dirty="0">
-                <a:solidFill>
-                  <a:srgbClr val="0070C0"/>
-                </a:solidFill>
-                <a:latin typeface="Berlin Sans FB Demi" panose="020E0802020502020306" pitchFamily="34" charset="0"/>
-              </a:rPr>
-              <a:t>$</a:t>
-            </a:r>
-            <a:r>
-              <a:rPr lang="en-US" sz="1600" dirty="0">
-                <a:solidFill>
-                  <a:srgbClr val="0070C0"/>
-                </a:solidFill>
-                <a:latin typeface="Berlin Sans FB Demi" panose="020E0802020502020306" pitchFamily="34" charset="0"/>
-              </a:rPr>
-              <a:t>24.00</a:t>
             </a:r>
           </a:p>
           <a:p>
@@ -3949,75 +4039,14 @@
               </a:spcAft>
               <a:tabLst>
                 <a:tab pos="258763" algn="l"/>
-                <a:tab pos="1828800" algn="l"/>
+                <a:tab pos="1766888" algn="l"/>
               </a:tabLst>
             </a:pPr>
             <a:r>
               <a:rPr lang="en-US" sz="1600" dirty="0">
                 <a:latin typeface="Berlin Sans FB Demi" panose="020E0802020502020306" pitchFamily="34" charset="0"/>
               </a:rPr>
-              <a:t>Fried Pickles</a:t>
-            </a:r>
-            <a:r>
-              <a:rPr lang="en-US" sz="1600" dirty="0"/>
-              <a:t>	</a:t>
-            </a:r>
-            <a:r>
-              <a:rPr lang="en-US" sz="1600" baseline="30000" dirty="0">
-                <a:solidFill>
-                  <a:srgbClr val="0070C0"/>
-                </a:solidFill>
-                <a:latin typeface="Berlin Sans FB Demi" panose="020E0802020502020306" pitchFamily="34" charset="0"/>
-              </a:rPr>
-              <a:t>$</a:t>
-            </a:r>
-            <a:r>
-              <a:rPr lang="en-US" sz="1600" dirty="0">
-                <a:solidFill>
-                  <a:srgbClr val="0070C0"/>
-                </a:solidFill>
-                <a:latin typeface="Berlin Sans FB Demi" panose="020E0802020502020306" pitchFamily="34" charset="0"/>
-              </a:rPr>
-              <a:t>9.00</a:t>
-            </a:r>
-          </a:p>
-          <a:p>
-            <a:pPr>
-              <a:spcAft>
-                <a:spcPts val="225"/>
-              </a:spcAft>
-              <a:tabLst>
-                <a:tab pos="259556" algn="l"/>
-                <a:tab pos="1714500" algn="l"/>
-              </a:tabLst>
-            </a:pPr>
-            <a:r>
-              <a:rPr lang="en-US" sz="1600" dirty="0">
-                <a:latin typeface="Berlin Sans FB Demi" panose="020E0802020502020306" pitchFamily="34" charset="0"/>
-              </a:rPr>
-              <a:t>Mac &amp; Cheese Balls</a:t>
-            </a:r>
-            <a:r>
-              <a:rPr lang="en-US" sz="1600" dirty="0"/>
-              <a:t>	</a:t>
-            </a:r>
-            <a:r>
-              <a:rPr lang="en-US" sz="1600" baseline="30000" dirty="0">
-                <a:solidFill>
-                  <a:srgbClr val="0070C0"/>
-                </a:solidFill>
-                <a:latin typeface="Berlin Sans FB Demi" panose="020E0802020502020306" pitchFamily="34" charset="0"/>
-              </a:rPr>
-              <a:t>$</a:t>
-            </a:r>
-            <a:r>
-              <a:rPr lang="en-US" sz="1600" dirty="0">
-                <a:solidFill>
-                  <a:srgbClr val="0070C0"/>
-                </a:solidFill>
-                <a:latin typeface="Berlin Sans FB Demi" panose="020E0802020502020306" pitchFamily="34" charset="0"/>
-              </a:rPr>
-              <a:t>10.00</a:t>
+              <a:t>Chicken Tenders</a:t>
             </a:r>
           </a:p>
           <a:p>
@@ -4027,7 +4056,218 @@
               </a:spcAft>
               <a:tabLst>
                 <a:tab pos="258763" algn="l"/>
-                <a:tab pos="1828800" algn="l"/>
+                <a:tab pos="1766888" algn="l"/>
+              </a:tabLst>
+            </a:pPr>
+            <a:r>
+              <a:rPr lang="en-US" sz="900" dirty="0"/>
+              <a:t>	</a:t>
+            </a:r>
+            <a:r>
+              <a:rPr lang="en-US" sz="1400" dirty="0"/>
+              <a:t>5 pcs</a:t>
+            </a:r>
+            <a:r>
+              <a:rPr lang="en-US" sz="900" dirty="0"/>
+              <a:t>	</a:t>
+            </a:r>
+            <a:r>
+              <a:rPr lang="en-US" sz="1600" baseline="30000" dirty="0">
+                <a:solidFill>
+                  <a:srgbClr val="0070C0"/>
+                </a:solidFill>
+                <a:latin typeface="Berlin Sans FB Demi" panose="020E0802020502020306" pitchFamily="34" charset="0"/>
+              </a:rPr>
+              <a:t>$</a:t>
+            </a:r>
+            <a:r>
+              <a:rPr lang="en-US" sz="1600" dirty="0">
+                <a:solidFill>
+                  <a:srgbClr val="0070C0"/>
+                </a:solidFill>
+                <a:latin typeface="Berlin Sans FB Demi" panose="020E0802020502020306" pitchFamily="34" charset="0"/>
+              </a:rPr>
+              <a:t>10.00</a:t>
+            </a:r>
+          </a:p>
+          <a:p>
+            <a:pPr>
+              <a:spcAft>
+                <a:spcPts val="225"/>
+              </a:spcAft>
+              <a:tabLst>
+                <a:tab pos="258763" algn="l"/>
+                <a:tab pos="1766888" algn="l"/>
+              </a:tabLst>
+            </a:pPr>
+            <a:r>
+              <a:rPr lang="en-US" sz="900" dirty="0">
+                <a:solidFill>
+                  <a:srgbClr val="0070C0"/>
+                </a:solidFill>
+                <a:latin typeface="Berlin Sans FB Demi" panose="020E0802020502020306" pitchFamily="34" charset="0"/>
+              </a:rPr>
+              <a:t>	</a:t>
+            </a:r>
+            <a:r>
+              <a:rPr lang="en-US" sz="1400" dirty="0"/>
+              <a:t>12 pcs</a:t>
+            </a:r>
+            <a:r>
+              <a:rPr lang="en-US" sz="900" dirty="0"/>
+              <a:t>	</a:t>
+            </a:r>
+            <a:r>
+              <a:rPr lang="en-US" sz="1600" baseline="30000" dirty="0">
+                <a:solidFill>
+                  <a:srgbClr val="0070C0"/>
+                </a:solidFill>
+                <a:latin typeface="Berlin Sans FB Demi" panose="020E0802020502020306" pitchFamily="34" charset="0"/>
+              </a:rPr>
+              <a:t>$</a:t>
+            </a:r>
+            <a:r>
+              <a:rPr lang="en-US" sz="1600" dirty="0">
+                <a:solidFill>
+                  <a:srgbClr val="0070C0"/>
+                </a:solidFill>
+                <a:latin typeface="Berlin Sans FB Demi" panose="020E0802020502020306" pitchFamily="34" charset="0"/>
+              </a:rPr>
+              <a:t>16.00</a:t>
+            </a:r>
+          </a:p>
+          <a:p>
+            <a:pPr>
+              <a:spcAft>
+                <a:spcPts val="225"/>
+              </a:spcAft>
+              <a:tabLst>
+                <a:tab pos="258763" algn="l"/>
+                <a:tab pos="1766888" algn="l"/>
+              </a:tabLst>
+            </a:pPr>
+            <a:r>
+              <a:rPr lang="en-US" sz="1050" dirty="0">
+                <a:solidFill>
+                  <a:srgbClr val="0070C0"/>
+                </a:solidFill>
+                <a:latin typeface="Berlin Sans FB Demi" panose="020E0802020502020306" pitchFamily="34" charset="0"/>
+              </a:rPr>
+              <a:t>	</a:t>
+            </a:r>
+            <a:r>
+              <a:rPr lang="en-US" sz="1400" dirty="0"/>
+              <a:t>16 pcs</a:t>
+            </a:r>
+            <a:r>
+              <a:rPr lang="en-US" sz="900" dirty="0"/>
+              <a:t>	</a:t>
+            </a:r>
+            <a:r>
+              <a:rPr lang="en-US" sz="1600" baseline="30000" dirty="0">
+                <a:solidFill>
+                  <a:srgbClr val="0070C0"/>
+                </a:solidFill>
+                <a:latin typeface="Berlin Sans FB Demi" panose="020E0802020502020306" pitchFamily="34" charset="0"/>
+              </a:rPr>
+              <a:t>$</a:t>
+            </a:r>
+            <a:r>
+              <a:rPr lang="en-US" sz="1600" dirty="0">
+                <a:solidFill>
+                  <a:srgbClr val="0070C0"/>
+                </a:solidFill>
+                <a:latin typeface="Berlin Sans FB Demi" panose="020E0802020502020306" pitchFamily="34" charset="0"/>
+              </a:rPr>
+              <a:t>24.00</a:t>
+            </a:r>
+          </a:p>
+          <a:p>
+            <a:pPr>
+              <a:spcAft>
+                <a:spcPts val="225"/>
+              </a:spcAft>
+              <a:tabLst>
+                <a:tab pos="258763" algn="l"/>
+                <a:tab pos="1766888" algn="l"/>
+              </a:tabLst>
+            </a:pPr>
+            <a:r>
+              <a:rPr lang="en-US" sz="1600" dirty="0">
+                <a:latin typeface="Berlin Sans FB Demi" panose="020E0802020502020306" pitchFamily="34" charset="0"/>
+              </a:rPr>
+              <a:t>Fried Pickles</a:t>
+            </a:r>
+            <a:r>
+              <a:rPr lang="en-US" sz="1600" dirty="0"/>
+              <a:t>	</a:t>
+            </a:r>
+            <a:r>
+              <a:rPr lang="en-US" sz="1600" baseline="30000" dirty="0">
+                <a:solidFill>
+                  <a:srgbClr val="0070C0"/>
+                </a:solidFill>
+                <a:latin typeface="Berlin Sans FB Demi" panose="020E0802020502020306" pitchFamily="34" charset="0"/>
+              </a:rPr>
+              <a:t>$</a:t>
+            </a:r>
+            <a:r>
+              <a:rPr lang="en-US" sz="1600" dirty="0">
+                <a:solidFill>
+                  <a:srgbClr val="0070C0"/>
+                </a:solidFill>
+                <a:latin typeface="Berlin Sans FB Demi" panose="020E0802020502020306" pitchFamily="34" charset="0"/>
+              </a:rPr>
+              <a:t>9.00</a:t>
+            </a:r>
+          </a:p>
+          <a:p>
+            <a:pPr>
+              <a:spcAft>
+                <a:spcPts val="225"/>
+              </a:spcAft>
+              <a:tabLst>
+                <a:tab pos="258763" algn="l"/>
+                <a:tab pos="1766888" algn="l"/>
+              </a:tabLst>
+            </a:pPr>
+            <a:r>
+              <a:rPr lang="en-US" sz="1600" dirty="0">
+                <a:latin typeface="Berlin Sans FB Demi" panose="020E0802020502020306" pitchFamily="34" charset="0"/>
+              </a:rPr>
+              <a:t>Mac &amp; Cheese Balls</a:t>
+            </a:r>
+            <a:r>
+              <a:rPr lang="en-US" sz="1600" dirty="0"/>
+              <a:t>	</a:t>
+            </a:r>
+            <a:r>
+              <a:rPr lang="en-US" sz="1600" baseline="30000" dirty="0">
+                <a:solidFill>
+                  <a:srgbClr val="0070C0"/>
+                </a:solidFill>
+                <a:latin typeface="Berlin Sans FB Demi" panose="020E0802020502020306" pitchFamily="34" charset="0"/>
+              </a:rPr>
+              <a:t>$</a:t>
+            </a:r>
+            <a:r>
+              <a:rPr lang="en-US" sz="1600" dirty="0">
+                <a:solidFill>
+                  <a:srgbClr val="0070C0"/>
+                </a:solidFill>
+                <a:latin typeface="Berlin Sans FB Demi" panose="020E0802020502020306" pitchFamily="34" charset="0"/>
+              </a:rPr>
+              <a:t>10.00</a:t>
+            </a:r>
+          </a:p>
+          <a:p>
+            <a:pPr>
+              <a:spcAft>
+                <a:spcPts val="225"/>
+              </a:spcAft>
+              <a:tabLst>
+                <a:tab pos="258763" algn="l"/>
+                <a:tab pos="1766888" algn="l"/>
               </a:tabLst>
             </a:pPr>
             <a:r>
@@ -4053,8 +4293,8 @@
                 <a:spcPts val="225"/>
               </a:spcAft>
               <a:tabLst>
-                <a:tab pos="128588" algn="l"/>
-                <a:tab pos="1828800" algn="l"/>
+                <a:tab pos="258763" algn="l"/>
+                <a:tab pos="1766888" algn="l"/>
               </a:tabLst>
             </a:pPr>
             <a:r>
@@ -4087,55 +4327,6 @@
               </a:rPr>
               <a:t>9.00</a:t>
             </a:r>
-          </a:p>
-          <a:p>
-            <a:pPr>
-              <a:spcAft>
-                <a:spcPts val="225"/>
-              </a:spcAft>
-              <a:tabLst>
-                <a:tab pos="128588" algn="l"/>
-                <a:tab pos="1828800" algn="l"/>
-              </a:tabLst>
-            </a:pPr>
-            <a:r>
-              <a:rPr lang="en-US" sz="1050" dirty="0">
-                <a:solidFill>
-                  <a:srgbClr val="0070C0"/>
-                </a:solidFill>
-                <a:latin typeface="Berlin Sans FB Demi" panose="020E0802020502020306" pitchFamily="34" charset="0"/>
-              </a:rPr>
-              <a:t>	</a:t>
-            </a:r>
-            <a:r>
-              <a:rPr lang="en-US" sz="1400" dirty="0"/>
-              <a:t>8 pieces</a:t>
-            </a:r>
-            <a:r>
-              <a:rPr lang="en-US" sz="1050" dirty="0"/>
-              <a:t>	</a:t>
-            </a:r>
-            <a:r>
-              <a:rPr lang="en-US" sz="1600" baseline="30000" dirty="0">
-                <a:solidFill>
-                  <a:srgbClr val="0070C0"/>
-                </a:solidFill>
-                <a:latin typeface="Berlin Sans FB Demi" panose="020E0802020502020306" pitchFamily="34" charset="0"/>
-              </a:rPr>
-              <a:t>$</a:t>
-            </a:r>
-            <a:r>
-              <a:rPr lang="en-US" sz="1600" dirty="0">
-                <a:solidFill>
-                  <a:srgbClr val="0070C0"/>
-                </a:solidFill>
-                <a:latin typeface="Berlin Sans FB Demi" panose="020E0802020502020306" pitchFamily="34" charset="0"/>
-              </a:rPr>
-              <a:t>11.00</a:t>
-            </a:r>
-            <a:endParaRPr lang="en-US" sz="1600" dirty="0">
-              <a:latin typeface="Berlin Sans FB Demi" panose="020E0802020502020306" pitchFamily="34" charset="0"/>
-            </a:endParaRPr>
           </a:p>
           <a:p>
             <a:pPr>
@@ -4144,20 +4335,27 @@
               </a:spcAft>
               <a:tabLst>
                 <a:tab pos="258763" algn="l"/>
-                <a:tab pos="1828800" algn="l"/>
+                <a:tab pos="1766888" algn="l"/>
               </a:tabLst>
             </a:pPr>
             <a:r>
-              <a:rPr lang="en-US" sz="1600" dirty="0">
-                <a:latin typeface="Berlin Sans FB Demi" panose="020E0802020502020306" pitchFamily="34" charset="0"/>
-              </a:rPr>
-              <a:t>Potato Skins</a:t>
-            </a:r>
-            <a:r>
-              <a:rPr lang="en-US" sz="1600" dirty="0"/>
+              <a:rPr lang="en-US" sz="1050" dirty="0">
+                <a:solidFill>
+                  <a:srgbClr val="0070C0"/>
+                </a:solidFill>
+                <a:latin typeface="Berlin Sans FB Demi" panose="020E0802020502020306" pitchFamily="34" charset="0"/>
+              </a:rPr>
               <a:t>	</a:t>
             </a:r>
             <a:r>
+              <a:rPr lang="en-US" sz="1400" dirty="0"/>
+              <a:t>8 pieces</a:t>
+            </a:r>
+            <a:r>
+              <a:rPr lang="en-US" sz="1050" dirty="0"/>
+              <a:t>	</a:t>
+            </a:r>
+            <a:r>
               <a:rPr lang="en-US" sz="1600" baseline="30000" dirty="0">
                 <a:solidFill>
                   <a:srgbClr val="0070C0"/>
@@ -4173,8 +4371,11 @@
                 </a:solidFill>
                 <a:latin typeface="Berlin Sans FB Demi" panose="020E0802020502020306" pitchFamily="34" charset="0"/>
               </a:rPr>
-              <a:t>12.00</a:t>
-            </a:r>
+              <a:t>11.00</a:t>
+            </a:r>
+            <a:endParaRPr lang="en-US" sz="1600" dirty="0">
+              <a:latin typeface="Berlin Sans FB Demi" panose="020E0802020502020306" pitchFamily="34" charset="0"/>
+            </a:endParaRPr>
           </a:p>
           <a:p>
             <a:pPr>
@@ -4183,7 +4384,46 @@
               </a:spcAft>
               <a:tabLst>
                 <a:tab pos="258763" algn="l"/>
-                <a:tab pos="1828800" algn="l"/>
+                <a:tab pos="1766888" algn="l"/>
+              </a:tabLst>
+            </a:pPr>
+            <a:r>
+              <a:rPr lang="en-US" sz="1600" dirty="0">
+                <a:latin typeface="Berlin Sans FB Demi" panose="020E0802020502020306" pitchFamily="34" charset="0"/>
+              </a:rPr>
+              <a:t>Potato Skins</a:t>
+            </a:r>
+            <a:r>
+              <a:rPr lang="en-US" sz="1600" dirty="0"/>
+              <a:t>	</a:t>
+            </a:r>
+            <a:r>
+              <a:rPr lang="en-US" sz="1600" baseline="30000" dirty="0">
+                <a:solidFill>
+                  <a:srgbClr val="0070C0"/>
+                </a:solidFill>
+                <a:latin typeface="Berlin Sans FB Demi" panose="020E0802020502020306" pitchFamily="34" charset="0"/>
+              </a:rPr>
+              <a:t>$</a:t>
+            </a:r>
+            <a:r>
+              <a:rPr lang="en-US" sz="1600" dirty="0">
+                <a:solidFill>
+                  <a:srgbClr val="0070C0"/>
+                </a:solidFill>
+                <a:latin typeface="Berlin Sans FB Demi" panose="020E0802020502020306" pitchFamily="34" charset="0"/>
+              </a:rPr>
+              <a:t>12.00</a:t>
+            </a:r>
+          </a:p>
+          <a:p>
+            <a:pPr>
+              <a:spcAft>
+                <a:spcPts val="225"/>
+              </a:spcAft>
+              <a:tabLst>
+                <a:tab pos="258763" algn="l"/>
+                <a:tab pos="1766888" algn="l"/>
               </a:tabLst>
             </a:pPr>
             <a:r>
@@ -4350,7 +4590,7 @@
               </a:spcAft>
               <a:tabLst>
                 <a:tab pos="258763" algn="l"/>
-                <a:tab pos="1828800" algn="l"/>
+                <a:tab pos="1766888" algn="l"/>
               </a:tabLst>
             </a:pPr>
             <a:r>
@@ -4389,7 +4629,7 @@
               </a:spcAft>
               <a:tabLst>
                 <a:tab pos="258763" algn="l"/>
-                <a:tab pos="1828800" algn="l"/>
+                <a:tab pos="1766888" algn="l"/>
               </a:tabLst>
             </a:pPr>
             <a:r>
@@ -4428,7 +4668,7 @@
               </a:spcAft>
               <a:tabLst>
                 <a:tab pos="258763" algn="l"/>
-                <a:tab pos="1828800" algn="l"/>
+                <a:tab pos="1766888" algn="l"/>
               </a:tabLst>
             </a:pPr>
             <a:r>
@@ -4467,7 +4707,7 @@
               </a:spcAft>
               <a:tabLst>
                 <a:tab pos="258763" algn="l"/>
-                <a:tab pos="1828800" algn="l"/>
+                <a:tab pos="1766888" algn="l"/>
               </a:tabLst>
             </a:pPr>
             <a:r>
@@ -5354,7 +5594,7 @@
         </p:nvSpPr>
         <p:spPr bwMode="auto">
           <a:xfrm>
-            <a:off x="6599766" y="5154762"/>
+            <a:off x="6525624" y="5154762"/>
             <a:ext cx="2421927" cy="1523494"/>
           </a:xfrm>
           <a:prstGeom prst="rect">
@@ -6056,7 +6296,7 @@
         </p:nvSpPr>
         <p:spPr>
           <a:xfrm>
-            <a:off x="6506492" y="62000"/>
+            <a:off x="6432350" y="62000"/>
             <a:ext cx="2569775" cy="6764852"/>
           </a:xfrm>
           <a:prstGeom prst="roundRect">
@@ -6520,8 +6760,8 @@
         </p:nvSpPr>
         <p:spPr>
           <a:xfrm>
-            <a:off x="3209759" y="315310"/>
-            <a:ext cx="2849683" cy="2053353"/>
+            <a:off x="3276234" y="315310"/>
+            <a:ext cx="2665529" cy="2053353"/>
           </a:xfrm>
           <a:prstGeom prst="roundRect">
             <a:avLst/>
@@ -6631,8 +6871,8 @@
         </p:nvSpPr>
         <p:spPr>
           <a:xfrm>
-            <a:off x="3281653" y="639915"/>
-            <a:ext cx="2755079" cy="1644040"/>
+            <a:off x="3378075" y="639915"/>
+            <a:ext cx="2658657" cy="1644040"/>
           </a:xfrm>
           <a:prstGeom prst="rect">
             <a:avLst/>
@@ -6651,7 +6891,7 @@
               </a:spcAft>
               <a:tabLst>
                 <a:tab pos="258763" algn="l"/>
-                <a:tab pos="1884363" algn="l"/>
+                <a:tab pos="1766888" algn="l"/>
               </a:tabLst>
             </a:pPr>
             <a:r>
@@ -6690,7 +6930,7 @@
               </a:spcAft>
               <a:tabLst>
                 <a:tab pos="258763" algn="l"/>
-                <a:tab pos="1884363" algn="l"/>
+                <a:tab pos="1766888" algn="l"/>
               </a:tabLst>
             </a:pPr>
             <a:r>
@@ -6729,7 +6969,7 @@
               </a:spcAft>
               <a:tabLst>
                 <a:tab pos="258763" algn="l"/>
-                <a:tab pos="1884363" algn="l"/>
+                <a:tab pos="1766888" algn="l"/>
               </a:tabLst>
             </a:pPr>
             <a:r>
@@ -6768,7 +7008,7 @@
               </a:spcAft>
               <a:tabLst>
                 <a:tab pos="258763" algn="l"/>
-                <a:tab pos="1884363" algn="l"/>
+                <a:tab pos="1766888" algn="l"/>
               </a:tabLst>
             </a:pPr>
             <a:r>
@@ -6807,7 +7047,7 @@
               </a:spcAft>
               <a:tabLst>
                 <a:tab pos="258763" algn="l"/>
-                <a:tab pos="1884363" algn="l"/>
+                <a:tab pos="1766888" algn="l"/>
               </a:tabLst>
             </a:pPr>
             <a:r>
@@ -7190,7 +7430,7 @@
         </p:nvSpPr>
         <p:spPr>
           <a:xfrm>
-            <a:off x="6516676" y="260130"/>
+            <a:off x="6442534" y="260130"/>
             <a:ext cx="2559591" cy="3271439"/>
           </a:xfrm>
           <a:prstGeom prst="roundRect">
@@ -7239,7 +7479,7 @@
         </p:nvSpPr>
         <p:spPr>
           <a:xfrm>
-            <a:off x="6756090" y="62000"/>
+            <a:off x="6681948" y="62000"/>
             <a:ext cx="1946189" cy="431497"/>
           </a:xfrm>
           <a:prstGeom prst="roundRect">
@@ -7303,7 +7543,7 @@
         </p:nvSpPr>
         <p:spPr>
           <a:xfrm>
-            <a:off x="6588572" y="501196"/>
+            <a:off x="6514430" y="501196"/>
             <a:ext cx="2494594" cy="2844368"/>
           </a:xfrm>
           <a:prstGeom prst="rect">
@@ -7644,7 +7884,7 @@
         </p:nvSpPr>
         <p:spPr>
           <a:xfrm>
-            <a:off x="6518989" y="3863040"/>
+            <a:off x="6444847" y="3863040"/>
             <a:ext cx="2557278" cy="2210442"/>
           </a:xfrm>
           <a:prstGeom prst="roundRect">
@@ -7693,7 +7933,7 @@
         </p:nvSpPr>
         <p:spPr>
           <a:xfrm>
-            <a:off x="6756090" y="3639776"/>
+            <a:off x="6681948" y="3639776"/>
             <a:ext cx="1946189" cy="431497"/>
           </a:xfrm>
           <a:prstGeom prst="roundRect">
@@ -7757,7 +7997,7 @@
         </p:nvSpPr>
         <p:spPr>
           <a:xfrm>
-            <a:off x="6603599" y="4116429"/>
+            <a:off x="6529457" y="4116429"/>
             <a:ext cx="2464136" cy="1864613"/>
           </a:xfrm>
           <a:prstGeom prst="rect">
@@ -8295,7 +8535,7 @@
         </p:nvSpPr>
         <p:spPr>
           <a:xfrm>
-            <a:off x="6804801" y="6168078"/>
+            <a:off x="6730659" y="6168078"/>
             <a:ext cx="1946189" cy="646461"/>
           </a:xfrm>
           <a:prstGeom prst="roundRect">
@@ -8369,7 +8609,7 @@
         </p:nvSpPr>
         <p:spPr>
           <a:xfrm>
-            <a:off x="6737607" y="3123652"/>
+            <a:off x="6663465" y="3123652"/>
             <a:ext cx="2472667" cy="430887"/>
           </a:xfrm>
           <a:prstGeom prst="rect">
@@ -8586,7 +8826,7 @@
         </p:nvSpPr>
         <p:spPr>
           <a:xfrm>
-            <a:off x="6735246" y="2674065"/>
+            <a:off x="6661104" y="2674065"/>
             <a:ext cx="1959125" cy="400110"/>
           </a:xfrm>
           <a:prstGeom prst="rect">
@@ -8621,7 +8861,7 @@
         </p:nvSpPr>
         <p:spPr>
           <a:xfrm>
-            <a:off x="6720918" y="2250527"/>
+            <a:off x="6646776" y="2250527"/>
             <a:ext cx="1959125" cy="400110"/>
           </a:xfrm>
           <a:prstGeom prst="rect">
@@ -8656,8 +8896,8 @@
         </p:nvSpPr>
         <p:spPr>
           <a:xfrm>
-            <a:off x="3186321" y="2674065"/>
-            <a:ext cx="2850412" cy="4152787"/>
+            <a:off x="3253524" y="2674065"/>
+            <a:ext cx="2688240" cy="4152787"/>
           </a:xfrm>
           <a:prstGeom prst="roundRect">
             <a:avLst/>
@@ -8758,8 +8998,8 @@
         </p:nvSpPr>
         <p:spPr>
           <a:xfrm>
-            <a:off x="3281654" y="2851644"/>
-            <a:ext cx="2709942" cy="3929281"/>
+            <a:off x="3365832" y="2851644"/>
+            <a:ext cx="2625764" cy="3929281"/>
           </a:xfrm>
           <a:prstGeom prst="rect">
             <a:avLst/>
@@ -8778,7 +9018,7 @@
               </a:spcAft>
               <a:tabLst>
                 <a:tab pos="258763" algn="l"/>
-                <a:tab pos="1884363" algn="l"/>
+                <a:tab pos="1766888" algn="l"/>
               </a:tabLst>
             </a:pPr>
             <a:r>
@@ -8820,7 +9060,7 @@
               </a:spcAft>
               <a:tabLst>
                 <a:tab pos="258763" algn="l"/>
-                <a:tab pos="1884363" algn="l"/>
+                <a:tab pos="1766888" algn="l"/>
               </a:tabLst>
             </a:pPr>
             <a:endParaRPr lang="en-US" sz="900" dirty="0">
@@ -8837,7 +9077,7 @@
               </a:spcAft>
               <a:tabLst>
                 <a:tab pos="258763" algn="l"/>
-                <a:tab pos="1884363" algn="l"/>
+                <a:tab pos="1766888" algn="l"/>
               </a:tabLst>
             </a:pPr>
             <a:r>
@@ -8876,7 +9116,7 @@
               </a:spcAft>
               <a:tabLst>
                 <a:tab pos="258763" algn="l"/>
-                <a:tab pos="1884363" algn="l"/>
+                <a:tab pos="1766888" algn="l"/>
               </a:tabLst>
             </a:pPr>
             <a:r>
@@ -8915,7 +9155,7 @@
               </a:spcAft>
               <a:tabLst>
                 <a:tab pos="258763" algn="l"/>
-                <a:tab pos="1884363" algn="l"/>
+                <a:tab pos="1766888" algn="l"/>
               </a:tabLst>
             </a:pPr>
             <a:r>
@@ -8954,7 +9194,7 @@
               </a:spcAft>
               <a:tabLst>
                 <a:tab pos="258763" algn="l"/>
-                <a:tab pos="1884363" algn="l"/>
+                <a:tab pos="1766888" algn="l"/>
               </a:tabLst>
             </a:pPr>
             <a:r>
@@ -8993,7 +9233,7 @@
               </a:spcAft>
               <a:tabLst>
                 <a:tab pos="258763" algn="l"/>
-                <a:tab pos="1884363" algn="l"/>
+                <a:tab pos="1766888" algn="l"/>
               </a:tabLst>
             </a:pPr>
             <a:r>
@@ -9032,7 +9272,7 @@
               </a:spcAft>
               <a:tabLst>
                 <a:tab pos="258763" algn="l"/>
-                <a:tab pos="1884363" algn="l"/>
+                <a:tab pos="1766888" algn="l"/>
               </a:tabLst>
             </a:pPr>
             <a:r>
@@ -9071,7 +9311,7 @@
               </a:spcAft>
               <a:tabLst>
                 <a:tab pos="258763" algn="l"/>
-                <a:tab pos="1884363" algn="l"/>
+                <a:tab pos="1766888" algn="l"/>
               </a:tabLst>
             </a:pPr>
             <a:r>
@@ -9110,7 +9350,7 @@
               </a:spcAft>
               <a:tabLst>
                 <a:tab pos="258763" algn="l"/>
-                <a:tab pos="1884363" algn="l"/>
+                <a:tab pos="1766888" algn="l"/>
               </a:tabLst>
             </a:pPr>
             <a:r>
@@ -9149,7 +9389,7 @@
               </a:spcAft>
               <a:tabLst>
                 <a:tab pos="258763" algn="l"/>
-                <a:tab pos="1884363" algn="l"/>
+                <a:tab pos="1766888" algn="l"/>
               </a:tabLst>
             </a:pPr>
             <a:endParaRPr lang="en-US" sz="900" dirty="0">
@@ -9163,7 +9403,7 @@
               </a:spcAft>
               <a:tabLst>
                 <a:tab pos="258763" algn="l"/>
-                <a:tab pos="1884363" algn="l"/>
+                <a:tab pos="1766888" algn="l"/>
               </a:tabLst>
             </a:pPr>
             <a:r>
@@ -9202,7 +9442,7 @@
               </a:spcAft>
               <a:tabLst>
                 <a:tab pos="258763" algn="l"/>
-                <a:tab pos="1884363" algn="l"/>
+                <a:tab pos="1766888" algn="l"/>
               </a:tabLst>
             </a:pPr>
             <a:r>
@@ -9241,7 +9481,7 @@
               </a:spcAft>
               <a:tabLst>
                 <a:tab pos="258763" algn="l"/>
-                <a:tab pos="1884363" algn="l"/>
+                <a:tab pos="1766888" algn="l"/>
               </a:tabLst>
             </a:pPr>
             <a:r>
